--- a/Adatbázisok csatlakoztatása és kezelése Laravel 11-ben.pptx
+++ b/Adatbázisok csatlakoztatása és kezelése Laravel 11-ben.pptx
@@ -5,10 +5,10 @@
     <p:sldMasterId id="2147483696" r:id="rId4"/>
   </p:sldMasterIdLst>
   <p:notesMasterIdLst>
-    <p:notesMasterId r:id="rId20"/>
+    <p:notesMasterId r:id="rId21"/>
   </p:notesMasterIdLst>
   <p:handoutMasterIdLst>
-    <p:handoutMasterId r:id="rId21"/>
+    <p:handoutMasterId r:id="rId22"/>
   </p:handoutMasterIdLst>
   <p:sldIdLst>
     <p:sldId id="306" r:id="rId5"/>
@@ -16,16 +16,17 @@
     <p:sldId id="308" r:id="rId7"/>
     <p:sldId id="309" r:id="rId8"/>
     <p:sldId id="294" r:id="rId9"/>
-    <p:sldId id="295" r:id="rId10"/>
-    <p:sldId id="314" r:id="rId11"/>
-    <p:sldId id="310" r:id="rId12"/>
-    <p:sldId id="313" r:id="rId13"/>
-    <p:sldId id="303" r:id="rId14"/>
-    <p:sldId id="304" r:id="rId15"/>
-    <p:sldId id="305" r:id="rId16"/>
-    <p:sldId id="311" r:id="rId17"/>
-    <p:sldId id="312" r:id="rId18"/>
-    <p:sldId id="315" r:id="rId19"/>
+    <p:sldId id="316" r:id="rId10"/>
+    <p:sldId id="295" r:id="rId11"/>
+    <p:sldId id="314" r:id="rId12"/>
+    <p:sldId id="310" r:id="rId13"/>
+    <p:sldId id="313" r:id="rId14"/>
+    <p:sldId id="303" r:id="rId15"/>
+    <p:sldId id="304" r:id="rId16"/>
+    <p:sldId id="305" r:id="rId17"/>
+    <p:sldId id="311" r:id="rId18"/>
+    <p:sldId id="312" r:id="rId19"/>
+    <p:sldId id="315" r:id="rId20"/>
   </p:sldIdLst>
   <p:sldSz cx="12192000" cy="6858000"/>
   <p:notesSz cx="6858000" cy="9144000"/>
@@ -259,7 +260,7 @@
           <a:p>
             <a:fld id="{5536B27D-C1ED-4C55-9062-2279210E96ED}" type="datetime1">
               <a:rPr lang="en-GB" smtClean="0"/>
-              <a:t>03/12/2024</a:t>
+              <a:t>09/12/2024</a:t>
             </a:fld>
             <a:endParaRPr lang="en-GB" dirty="0"/>
           </a:p>
@@ -439,7 +440,7 @@
             <a:fld id="{B461EAF8-BEF3-4EDD-99CF-6435314FE1C9}" type="datetime1">
               <a:rPr lang="en-GB" smtClean="0"/>
               <a:pPr/>
-              <a:t>03/12/2024</a:t>
+              <a:t>09/12/2024</a:t>
             </a:fld>
             <a:endParaRPr lang="en-GB" dirty="0"/>
           </a:p>
@@ -870,7 +871,7 @@
     </p:spTree>
     <p:extLst>
       <p:ext uri="{BB962C8B-B14F-4D97-AF65-F5344CB8AC3E}">
-        <p14:creationId xmlns:p14="http://schemas.microsoft.com/office/powerpoint/2010/main" val="1857057274"/>
+        <p14:creationId xmlns:p14="http://schemas.microsoft.com/office/powerpoint/2010/main" val="1662536621"/>
       </p:ext>
     </p:extLst>
   </p:cSld>
@@ -955,7 +956,7 @@
     </p:spTree>
     <p:extLst>
       <p:ext uri="{BB962C8B-B14F-4D97-AF65-F5344CB8AC3E}">
-        <p14:creationId xmlns:p14="http://schemas.microsoft.com/office/powerpoint/2010/main" val="947308795"/>
+        <p14:creationId xmlns:p14="http://schemas.microsoft.com/office/powerpoint/2010/main" val="1857057274"/>
       </p:ext>
     </p:extLst>
   </p:cSld>
@@ -1040,7 +1041,7 @@
     </p:spTree>
     <p:extLst>
       <p:ext uri="{BB962C8B-B14F-4D97-AF65-F5344CB8AC3E}">
-        <p14:creationId xmlns:p14="http://schemas.microsoft.com/office/powerpoint/2010/main" val="885126131"/>
+        <p14:creationId xmlns:p14="http://schemas.microsoft.com/office/powerpoint/2010/main" val="947308795"/>
       </p:ext>
     </p:extLst>
   </p:cSld>
@@ -1125,7 +1126,7 @@
     </p:spTree>
     <p:extLst>
       <p:ext uri="{BB962C8B-B14F-4D97-AF65-F5344CB8AC3E}">
-        <p14:creationId xmlns:p14="http://schemas.microsoft.com/office/powerpoint/2010/main" val="3498038475"/>
+        <p14:creationId xmlns:p14="http://schemas.microsoft.com/office/powerpoint/2010/main" val="885126131"/>
       </p:ext>
     </p:extLst>
   </p:cSld>
@@ -1202,6 +1203,91 @@
             <a:fld id="{D5939589-3E79-4C82-AA4A-FE78234FAA59}" type="slidenum">
               <a:rPr lang="en-GB" smtClean="0"/>
               <a:t>14</a:t>
+            </a:fld>
+            <a:endParaRPr lang="en-GB"/>
+          </a:p>
+        </p:txBody>
+      </p:sp>
+    </p:spTree>
+    <p:extLst>
+      <p:ext uri="{BB962C8B-B14F-4D97-AF65-F5344CB8AC3E}">
+        <p14:creationId xmlns:p14="http://schemas.microsoft.com/office/powerpoint/2010/main" val="3498038475"/>
+      </p:ext>
+    </p:extLst>
+  </p:cSld>
+  <p:clrMapOvr>
+    <a:masterClrMapping/>
+  </p:clrMapOvr>
+</p:notes>
+</file>
+
+<file path=ppt/notesSlides/notesSlide15.xml><?xml version="1.0" encoding="utf-8"?>
+<p:notes xmlns:a="http://schemas.openxmlformats.org/drawingml/2006/main" xmlns:r="http://schemas.openxmlformats.org/officeDocument/2006/relationships" xmlns:p="http://schemas.openxmlformats.org/presentationml/2006/main">
+  <p:cSld>
+    <p:spTree>
+      <p:nvGrpSpPr>
+        <p:cNvPr id="1" name=""/>
+        <p:cNvGrpSpPr/>
+        <p:nvPr/>
+      </p:nvGrpSpPr>
+      <p:grpSpPr>
+        <a:xfrm>
+          <a:off x="0" y="0"/>
+          <a:ext cx="0" cy="0"/>
+          <a:chOff x="0" y="0"/>
+          <a:chExt cx="0" cy="0"/>
+        </a:xfrm>
+      </p:grpSpPr>
+      <p:sp>
+        <p:nvSpPr>
+          <p:cNvPr id="2" name="Slide Image Placeholder 1"/>
+          <p:cNvSpPr>
+            <a:spLocks noGrp="1" noRot="1" noChangeAspect="1"/>
+          </p:cNvSpPr>
+          <p:nvPr>
+            <p:ph type="sldImg"/>
+          </p:nvPr>
+        </p:nvSpPr>
+        <p:spPr/>
+      </p:sp>
+      <p:sp>
+        <p:nvSpPr>
+          <p:cNvPr id="3" name="Notes Placeholder 2"/>
+          <p:cNvSpPr>
+            <a:spLocks noGrp="1"/>
+          </p:cNvSpPr>
+          <p:nvPr>
+            <p:ph type="body" idx="1"/>
+          </p:nvPr>
+        </p:nvSpPr>
+        <p:spPr/>
+        <p:txBody>
+          <a:bodyPr/>
+          <a:lstStyle/>
+          <a:p>
+            <a:endParaRPr lang="en-GB"/>
+          </a:p>
+        </p:txBody>
+      </p:sp>
+      <p:sp>
+        <p:nvSpPr>
+          <p:cNvPr id="4" name="Slide Number Placeholder 3"/>
+          <p:cNvSpPr>
+            <a:spLocks noGrp="1"/>
+          </p:cNvSpPr>
+          <p:nvPr>
+            <p:ph type="sldNum" sz="quarter" idx="5"/>
+          </p:nvPr>
+        </p:nvSpPr>
+        <p:spPr/>
+        <p:txBody>
+          <a:bodyPr/>
+          <a:lstStyle/>
+          <a:p>
+            <a:pPr rtl="0"/>
+            <a:fld id="{D5939589-3E79-4C82-AA4A-FE78234FAA59}" type="slidenum">
+              <a:rPr lang="en-GB" smtClean="0"/>
+              <a:t>15</a:t>
             </a:fld>
             <a:endParaRPr lang="en-GB"/>
           </a:p>
@@ -1565,6 +1651,115 @@
   <p:cSld>
     <p:spTree>
       <p:nvGrpSpPr>
+        <p:cNvPr id="1" name="">
+          <a:extLst>
+            <a:ext uri="{FF2B5EF4-FFF2-40B4-BE49-F238E27FC236}">
+              <a16:creationId xmlns:a16="http://schemas.microsoft.com/office/drawing/2014/main" id="{D36912DA-CCCE-5A5B-FFF4-D8CEA6D97C1C}"/>
+            </a:ext>
+          </a:extLst>
+        </p:cNvPr>
+        <p:cNvGrpSpPr/>
+        <p:nvPr/>
+      </p:nvGrpSpPr>
+      <p:grpSpPr>
+        <a:xfrm>
+          <a:off x="0" y="0"/>
+          <a:ext cx="0" cy="0"/>
+          <a:chOff x="0" y="0"/>
+          <a:chExt cx="0" cy="0"/>
+        </a:xfrm>
+      </p:grpSpPr>
+      <p:sp>
+        <p:nvSpPr>
+          <p:cNvPr id="2" name="Slide Image Placeholder 1">
+            <a:extLst>
+              <a:ext uri="{FF2B5EF4-FFF2-40B4-BE49-F238E27FC236}">
+                <a16:creationId xmlns:a16="http://schemas.microsoft.com/office/drawing/2014/main" id="{BDEB8C52-CAE4-698E-7088-943A2C6A494F}"/>
+              </a:ext>
+            </a:extLst>
+          </p:cNvPr>
+          <p:cNvSpPr>
+            <a:spLocks noGrp="1" noRot="1" noChangeAspect="1"/>
+          </p:cNvSpPr>
+          <p:nvPr>
+            <p:ph type="sldImg"/>
+          </p:nvPr>
+        </p:nvSpPr>
+        <p:spPr/>
+      </p:sp>
+      <p:sp>
+        <p:nvSpPr>
+          <p:cNvPr id="3" name="Notes Placeholder 2">
+            <a:extLst>
+              <a:ext uri="{FF2B5EF4-FFF2-40B4-BE49-F238E27FC236}">
+                <a16:creationId xmlns:a16="http://schemas.microsoft.com/office/drawing/2014/main" id="{075983F4-35D5-6390-AC60-261AF54EE179}"/>
+              </a:ext>
+            </a:extLst>
+          </p:cNvPr>
+          <p:cNvSpPr>
+            <a:spLocks noGrp="1"/>
+          </p:cNvSpPr>
+          <p:nvPr>
+            <p:ph type="body" idx="1"/>
+          </p:nvPr>
+        </p:nvSpPr>
+        <p:spPr/>
+        <p:txBody>
+          <a:bodyPr/>
+          <a:lstStyle/>
+          <a:p>
+            <a:endParaRPr lang="en-GB"/>
+          </a:p>
+        </p:txBody>
+      </p:sp>
+      <p:sp>
+        <p:nvSpPr>
+          <p:cNvPr id="4" name="Slide Number Placeholder 3">
+            <a:extLst>
+              <a:ext uri="{FF2B5EF4-FFF2-40B4-BE49-F238E27FC236}">
+                <a16:creationId xmlns:a16="http://schemas.microsoft.com/office/drawing/2014/main" id="{7A524380-1A45-9BA2-7755-D6EC8781D4EE}"/>
+              </a:ext>
+            </a:extLst>
+          </p:cNvPr>
+          <p:cNvSpPr>
+            <a:spLocks noGrp="1"/>
+          </p:cNvSpPr>
+          <p:nvPr>
+            <p:ph type="sldNum" sz="quarter" idx="5"/>
+          </p:nvPr>
+        </p:nvSpPr>
+        <p:spPr/>
+        <p:txBody>
+          <a:bodyPr/>
+          <a:lstStyle/>
+          <a:p>
+            <a:pPr rtl="0"/>
+            <a:fld id="{D5939589-3E79-4C82-AA4A-FE78234FAA59}" type="slidenum">
+              <a:rPr lang="en-GB" smtClean="0"/>
+              <a:t>6</a:t>
+            </a:fld>
+            <a:endParaRPr lang="en-GB"/>
+          </a:p>
+        </p:txBody>
+      </p:sp>
+    </p:spTree>
+    <p:extLst>
+      <p:ext uri="{BB962C8B-B14F-4D97-AF65-F5344CB8AC3E}">
+        <p14:creationId xmlns:p14="http://schemas.microsoft.com/office/powerpoint/2010/main" val="1106369769"/>
+      </p:ext>
+    </p:extLst>
+  </p:cSld>
+  <p:clrMapOvr>
+    <a:masterClrMapping/>
+  </p:clrMapOvr>
+</p:notes>
+</file>
+
+<file path=ppt/notesSlides/notesSlide7.xml><?xml version="1.0" encoding="utf-8"?>
+<p:notes xmlns:a="http://schemas.openxmlformats.org/drawingml/2006/main" xmlns:r="http://schemas.openxmlformats.org/officeDocument/2006/relationships" xmlns:p="http://schemas.openxmlformats.org/presentationml/2006/main">
+  <p:cSld>
+    <p:spTree>
+      <p:nvGrpSpPr>
         <p:cNvPr id="1" name=""/>
         <p:cNvGrpSpPr/>
         <p:nvPr/>
@@ -1626,7 +1821,7 @@
             <a:pPr rtl="0"/>
             <a:fld id="{D5939589-3E79-4C82-AA4A-FE78234FAA59}" type="slidenum">
               <a:rPr lang="en-GB" smtClean="0"/>
-              <a:t>6</a:t>
+              <a:t>7</a:t>
             </a:fld>
             <a:endParaRPr lang="en-GB"/>
           </a:p>
@@ -1645,7 +1840,7 @@
 </p:notes>
 </file>
 
-<file path=ppt/notesSlides/notesSlide7.xml><?xml version="1.0" encoding="utf-8"?>
+<file path=ppt/notesSlides/notesSlide8.xml><?xml version="1.0" encoding="utf-8"?>
 <p:notes xmlns:a="http://schemas.openxmlformats.org/drawingml/2006/main" xmlns:r="http://schemas.openxmlformats.org/officeDocument/2006/relationships" xmlns:p="http://schemas.openxmlformats.org/presentationml/2006/main">
   <p:cSld>
     <p:spTree>
@@ -1735,7 +1930,7 @@
             <a:pPr rtl="0"/>
             <a:fld id="{D5939589-3E79-4C82-AA4A-FE78234FAA59}" type="slidenum">
               <a:rPr lang="en-GB" smtClean="0"/>
-              <a:t>7</a:t>
+              <a:t>8</a:t>
             </a:fld>
             <a:endParaRPr lang="en-GB"/>
           </a:p>
@@ -1745,91 +1940,6 @@
     <p:extLst>
       <p:ext uri="{BB962C8B-B14F-4D97-AF65-F5344CB8AC3E}">
         <p14:creationId xmlns:p14="http://schemas.microsoft.com/office/powerpoint/2010/main" val="3512054118"/>
-      </p:ext>
-    </p:extLst>
-  </p:cSld>
-  <p:clrMapOvr>
-    <a:masterClrMapping/>
-  </p:clrMapOvr>
-</p:notes>
-</file>
-
-<file path=ppt/notesSlides/notesSlide8.xml><?xml version="1.0" encoding="utf-8"?>
-<p:notes xmlns:a="http://schemas.openxmlformats.org/drawingml/2006/main" xmlns:r="http://schemas.openxmlformats.org/officeDocument/2006/relationships" xmlns:p="http://schemas.openxmlformats.org/presentationml/2006/main">
-  <p:cSld>
-    <p:spTree>
-      <p:nvGrpSpPr>
-        <p:cNvPr id="1" name=""/>
-        <p:cNvGrpSpPr/>
-        <p:nvPr/>
-      </p:nvGrpSpPr>
-      <p:grpSpPr>
-        <a:xfrm>
-          <a:off x="0" y="0"/>
-          <a:ext cx="0" cy="0"/>
-          <a:chOff x="0" y="0"/>
-          <a:chExt cx="0" cy="0"/>
-        </a:xfrm>
-      </p:grpSpPr>
-      <p:sp>
-        <p:nvSpPr>
-          <p:cNvPr id="2" name="Slide Image Placeholder 1"/>
-          <p:cNvSpPr>
-            <a:spLocks noGrp="1" noRot="1" noChangeAspect="1"/>
-          </p:cNvSpPr>
-          <p:nvPr>
-            <p:ph type="sldImg"/>
-          </p:nvPr>
-        </p:nvSpPr>
-        <p:spPr/>
-      </p:sp>
-      <p:sp>
-        <p:nvSpPr>
-          <p:cNvPr id="3" name="Notes Placeholder 2"/>
-          <p:cNvSpPr>
-            <a:spLocks noGrp="1"/>
-          </p:cNvSpPr>
-          <p:nvPr>
-            <p:ph type="body" idx="1"/>
-          </p:nvPr>
-        </p:nvSpPr>
-        <p:spPr/>
-        <p:txBody>
-          <a:bodyPr/>
-          <a:lstStyle/>
-          <a:p>
-            <a:endParaRPr lang="en-GB"/>
-          </a:p>
-        </p:txBody>
-      </p:sp>
-      <p:sp>
-        <p:nvSpPr>
-          <p:cNvPr id="4" name="Slide Number Placeholder 3"/>
-          <p:cNvSpPr>
-            <a:spLocks noGrp="1"/>
-          </p:cNvSpPr>
-          <p:nvPr>
-            <p:ph type="sldNum" sz="quarter" idx="5"/>
-          </p:nvPr>
-        </p:nvSpPr>
-        <p:spPr/>
-        <p:txBody>
-          <a:bodyPr/>
-          <a:lstStyle/>
-          <a:p>
-            <a:pPr rtl="0"/>
-            <a:fld id="{D5939589-3E79-4C82-AA4A-FE78234FAA59}" type="slidenum">
-              <a:rPr lang="en-GB" smtClean="0"/>
-              <a:t>8</a:t>
-            </a:fld>
-            <a:endParaRPr lang="en-GB"/>
-          </a:p>
-        </p:txBody>
-      </p:sp>
-    </p:spTree>
-    <p:extLst>
-      <p:ext uri="{BB962C8B-B14F-4D97-AF65-F5344CB8AC3E}">
-        <p14:creationId xmlns:p14="http://schemas.microsoft.com/office/powerpoint/2010/main" val="1045073622"/>
       </p:ext>
     </p:extLst>
   </p:cSld>
@@ -1914,7 +2024,7 @@
     </p:spTree>
     <p:extLst>
       <p:ext uri="{BB962C8B-B14F-4D97-AF65-F5344CB8AC3E}">
-        <p14:creationId xmlns:p14="http://schemas.microsoft.com/office/powerpoint/2010/main" val="1662536621"/>
+        <p14:creationId xmlns:p14="http://schemas.microsoft.com/office/powerpoint/2010/main" val="1045073622"/>
       </p:ext>
     </p:extLst>
   </p:cSld>
@@ -12871,6 +12981,305 @@
 <file path=ppt/slides/slide10.xml><?xml version="1.0" encoding="utf-8"?>
 <p:sld xmlns:a="http://schemas.openxmlformats.org/drawingml/2006/main" xmlns:r="http://schemas.openxmlformats.org/officeDocument/2006/relationships" xmlns:p="http://schemas.openxmlformats.org/presentationml/2006/main">
   <p:cSld>
+    <p:spTree>
+      <p:nvGrpSpPr>
+        <p:cNvPr id="1" name=""/>
+        <p:cNvGrpSpPr/>
+        <p:nvPr/>
+      </p:nvGrpSpPr>
+      <p:grpSpPr>
+        <a:xfrm>
+          <a:off x="0" y="0"/>
+          <a:ext cx="0" cy="0"/>
+          <a:chOff x="0" y="0"/>
+          <a:chExt cx="0" cy="0"/>
+        </a:xfrm>
+      </p:grpSpPr>
+      <p:sp>
+        <p:nvSpPr>
+          <p:cNvPr id="2" name="Title 1">
+            <a:extLst>
+              <a:ext uri="{FF2B5EF4-FFF2-40B4-BE49-F238E27FC236}">
+                <a16:creationId xmlns:a16="http://schemas.microsoft.com/office/drawing/2014/main" id="{80F287FE-1EFA-4C15-BFDD-1EE3F2D37BF1}"/>
+              </a:ext>
+            </a:extLst>
+          </p:cNvPr>
+          <p:cNvSpPr>
+            <a:spLocks noGrp="1"/>
+          </p:cNvSpPr>
+          <p:nvPr>
+            <p:ph type="title"/>
+          </p:nvPr>
+        </p:nvSpPr>
+        <p:spPr>
+          <a:xfrm>
+            <a:off x="576072" y="365126"/>
+            <a:ext cx="10771632" cy="1271170"/>
+          </a:xfrm>
+        </p:spPr>
+        <p:txBody>
+          <a:bodyPr rtlCol="0">
+            <a:normAutofit/>
+          </a:bodyPr>
+          <a:lstStyle/>
+          <a:p>
+            <a:pPr rtl="0"/>
+            <a:r>
+              <a:rPr lang="hu-HU" sz="4400" b="0" cap="none" dirty="0"/>
+              <a:t>4. </a:t>
+            </a:r>
+            <a:r>
+              <a:rPr lang="hu-HU" sz="4400" b="0" u="sng" cap="none" dirty="0"/>
+              <a:t>lépés</a:t>
+            </a:r>
+            <a:r>
+              <a:rPr lang="hu-HU" sz="4400" b="0" cap="none" dirty="0"/>
+              <a:t>: </a:t>
+            </a:r>
+            <a:r>
+              <a:rPr lang="hu-HU" sz="4400" b="0" i="1" cap="none" dirty="0"/>
+              <a:t>Az adatbázis migrálása</a:t>
+            </a:r>
+            <a:endParaRPr lang="en-GB" sz="4400" b="0" i="1" cap="none" dirty="0"/>
+          </a:p>
+        </p:txBody>
+      </p:sp>
+      <p:sp>
+        <p:nvSpPr>
+          <p:cNvPr id="4" name="Date Placeholder 3">
+            <a:extLst>
+              <a:ext uri="{FF2B5EF4-FFF2-40B4-BE49-F238E27FC236}">
+                <a16:creationId xmlns:a16="http://schemas.microsoft.com/office/drawing/2014/main" id="{2F8D5D16-EDC5-46DE-A0B9-0765F4F59BB7}"/>
+              </a:ext>
+            </a:extLst>
+          </p:cNvPr>
+          <p:cNvSpPr>
+            <a:spLocks noGrp="1"/>
+          </p:cNvSpPr>
+          <p:nvPr>
+            <p:ph type="dt" sz="half" idx="10"/>
+          </p:nvPr>
+        </p:nvSpPr>
+        <p:spPr/>
+        <p:txBody>
+          <a:bodyPr rtlCol="0"/>
+          <a:lstStyle/>
+          <a:p>
+            <a:pPr rtl="0"/>
+            <a:r>
+              <a:rPr lang="en-GB" dirty="0"/>
+              <a:t>9/3/20XX</a:t>
+            </a:r>
+          </a:p>
+        </p:txBody>
+      </p:sp>
+      <p:sp>
+        <p:nvSpPr>
+          <p:cNvPr id="6" name="Slide Number Placeholder 5">
+            <a:extLst>
+              <a:ext uri="{FF2B5EF4-FFF2-40B4-BE49-F238E27FC236}">
+                <a16:creationId xmlns:a16="http://schemas.microsoft.com/office/drawing/2014/main" id="{8DE31DF2-0419-4016-924C-21929AC1EBFC}"/>
+              </a:ext>
+            </a:extLst>
+          </p:cNvPr>
+          <p:cNvSpPr>
+            <a:spLocks noGrp="1"/>
+          </p:cNvSpPr>
+          <p:nvPr>
+            <p:ph type="sldNum" sz="quarter" idx="12"/>
+          </p:nvPr>
+        </p:nvSpPr>
+        <p:spPr/>
+        <p:txBody>
+          <a:bodyPr rtlCol="0"/>
+          <a:lstStyle/>
+          <a:p>
+            <a:pPr rtl="0"/>
+            <a:fld id="{D8DA9DAA-006C-4F4B-980E-E3DF019B24E2}" type="slidenum">
+              <a:rPr lang="en-GB" smtClean="0"/>
+              <a:pPr rtl="0"/>
+              <a:t>10</a:t>
+            </a:fld>
+            <a:endParaRPr lang="en-GB" dirty="0"/>
+          </a:p>
+        </p:txBody>
+      </p:sp>
+      <p:sp>
+        <p:nvSpPr>
+          <p:cNvPr id="11" name="TextBox 10">
+            <a:extLst>
+              <a:ext uri="{FF2B5EF4-FFF2-40B4-BE49-F238E27FC236}">
+                <a16:creationId xmlns:a16="http://schemas.microsoft.com/office/drawing/2014/main" id="{430AE936-D080-039A-6D6C-4266D0CB780A}"/>
+              </a:ext>
+            </a:extLst>
+          </p:cNvPr>
+          <p:cNvSpPr txBox="1"/>
+          <p:nvPr/>
+        </p:nvSpPr>
+        <p:spPr>
+          <a:xfrm>
+            <a:off x="576072" y="1543176"/>
+            <a:ext cx="10771632" cy="830997"/>
+          </a:xfrm>
+          <a:prstGeom prst="rect">
+            <a:avLst/>
+          </a:prstGeom>
+          <a:noFill/>
+        </p:spPr>
+        <p:txBody>
+          <a:bodyPr wrap="square" rtlCol="0">
+            <a:spAutoFit/>
+          </a:bodyPr>
+          <a:lstStyle/>
+          <a:p>
+            <a:r>
+              <a:rPr lang="ro-RO" sz="2400" dirty="0">
+                <a:solidFill>
+                  <a:schemeClr val="bg2"/>
+                </a:solidFill>
+              </a:rPr>
+              <a:t>A migration-ek megtal</a:t>
+            </a:r>
+            <a:r>
+              <a:rPr lang="hu-HU" sz="2400" dirty="0">
+                <a:solidFill>
+                  <a:schemeClr val="bg2"/>
+                </a:solidFill>
+              </a:rPr>
+              <a:t>álhatóak itt:</a:t>
+            </a:r>
+            <a:r>
+              <a:rPr lang="hu-HU" sz="2400" dirty="0"/>
+              <a:t> </a:t>
+            </a:r>
+            <a:r>
+              <a:rPr lang="hu-HU" sz="2400" dirty="0">
+                <a:solidFill>
+                  <a:srgbClr val="FF0000"/>
+                </a:solidFill>
+              </a:rPr>
+              <a:t>Herd</a:t>
+            </a:r>
+            <a:r>
+              <a:rPr lang="en-US" sz="2400" dirty="0">
+                <a:solidFill>
+                  <a:srgbClr val="FF0000"/>
+                </a:solidFill>
+              </a:rPr>
+              <a:t>\&lt;&lt;</a:t>
+            </a:r>
+            <a:r>
+              <a:rPr lang="en-US" sz="2400" dirty="0" err="1">
+                <a:solidFill>
+                  <a:srgbClr val="FF0000"/>
+                </a:solidFill>
+              </a:rPr>
+              <a:t>ProjektMappa</a:t>
+            </a:r>
+            <a:r>
+              <a:rPr lang="en-US" sz="2400" dirty="0">
+                <a:solidFill>
+                  <a:srgbClr val="FF0000"/>
+                </a:solidFill>
+              </a:rPr>
+              <a:t>&gt;&gt;\database\migrations\</a:t>
+            </a:r>
+            <a:endParaRPr lang="en-GB" sz="2400" dirty="0">
+              <a:solidFill>
+                <a:srgbClr val="FF0000"/>
+              </a:solidFill>
+            </a:endParaRPr>
+          </a:p>
+        </p:txBody>
+      </p:sp>
+      <p:pic>
+        <p:nvPicPr>
+          <p:cNvPr id="13" name="Picture 12" descr="A screen shot of a computer program&#10;&#10;Description automatically generated">
+            <a:extLst>
+              <a:ext uri="{FF2B5EF4-FFF2-40B4-BE49-F238E27FC236}">
+                <a16:creationId xmlns:a16="http://schemas.microsoft.com/office/drawing/2014/main" id="{13C1620E-EECB-965C-116B-D0A0CC71DE5E}"/>
+              </a:ext>
+            </a:extLst>
+          </p:cNvPr>
+          <p:cNvPicPr>
+            <a:picLocks noChangeAspect="1"/>
+          </p:cNvPicPr>
+          <p:nvPr/>
+        </p:nvPicPr>
+        <p:blipFill>
+          <a:blip r:embed="rId3"/>
+          <a:stretch>
+            <a:fillRect/>
+          </a:stretch>
+        </p:blipFill>
+        <p:spPr>
+          <a:xfrm>
+            <a:off x="388820" y="2750426"/>
+            <a:ext cx="8401614" cy="3971049"/>
+          </a:xfrm>
+          <a:prstGeom prst="rect">
+            <a:avLst/>
+          </a:prstGeom>
+        </p:spPr>
+      </p:pic>
+      <p:pic>
+        <p:nvPicPr>
+          <p:cNvPr id="10" name="Picture 9" descr="A black screen with white text&#10;&#10;Description automatically generated">
+            <a:extLst>
+              <a:ext uri="{FF2B5EF4-FFF2-40B4-BE49-F238E27FC236}">
+                <a16:creationId xmlns:a16="http://schemas.microsoft.com/office/drawing/2014/main" id="{36DCABA1-6121-420F-3FBC-1DEF0A61D3BE}"/>
+              </a:ext>
+            </a:extLst>
+          </p:cNvPr>
+          <p:cNvPicPr>
+            <a:picLocks noChangeAspect="1"/>
+          </p:cNvPicPr>
+          <p:nvPr/>
+        </p:nvPicPr>
+        <p:blipFill>
+          <a:blip r:embed="rId4">
+            <a:extLst>
+              <a:ext uri="{BEBA8EAE-BF5A-486C-A8C5-ECC9F3942E4B}">
+                <a14:imgProps xmlns:a14="http://schemas.microsoft.com/office/drawing/2010/main">
+                  <a14:imgLayer r:embed="rId5">
+                    <a14:imgEffect>
+                      <a14:brightnessContrast bright="40000"/>
+                    </a14:imgEffect>
+                  </a14:imgLayer>
+                </a14:imgProps>
+              </a:ext>
+            </a:extLst>
+          </a:blip>
+          <a:stretch>
+            <a:fillRect/>
+          </a:stretch>
+        </p:blipFill>
+        <p:spPr>
+          <a:xfrm>
+            <a:off x="5121442" y="2402095"/>
+            <a:ext cx="6978315" cy="1829117"/>
+          </a:xfrm>
+          <a:prstGeom prst="rect">
+            <a:avLst/>
+          </a:prstGeom>
+        </p:spPr>
+      </p:pic>
+    </p:spTree>
+    <p:extLst>
+      <p:ext uri="{BB962C8B-B14F-4D97-AF65-F5344CB8AC3E}">
+        <p14:creationId xmlns:p14="http://schemas.microsoft.com/office/powerpoint/2010/main" val="2270028676"/>
+      </p:ext>
+    </p:extLst>
+  </p:cSld>
+  <p:clrMapOvr>
+    <a:masterClrMapping/>
+  </p:clrMapOvr>
+</p:sld>
+</file>
+
+<file path=ppt/slides/slide11.xml><?xml version="1.0" encoding="utf-8"?>
+<p:sld xmlns:a="http://schemas.openxmlformats.org/drawingml/2006/main" xmlns:r="http://schemas.openxmlformats.org/officeDocument/2006/relationships" xmlns:p="http://schemas.openxmlformats.org/presentationml/2006/main">
+  <p:cSld>
     <p:bg>
       <p:bgPr>
         <a:solidFill>
@@ -12980,7 +13389,7 @@
                   <a:spcPts val="600"/>
                 </a:spcAft>
               </a:pPr>
-              <a:t>10</a:t>
+              <a:t>11</a:t>
             </a:fld>
             <a:endParaRPr lang="en-GB" b="1" cap="all" spc="100" dirty="0">
               <a:solidFill>
@@ -13131,7 +13540,7 @@
 </p:sld>
 </file>
 
-<file path=ppt/slides/slide11.xml><?xml version="1.0" encoding="utf-8"?>
+<file path=ppt/slides/slide12.xml><?xml version="1.0" encoding="utf-8"?>
 <p:sld xmlns:a="http://schemas.openxmlformats.org/drawingml/2006/main" xmlns:r="http://schemas.openxmlformats.org/officeDocument/2006/relationships" xmlns:p="http://schemas.openxmlformats.org/presentationml/2006/main">
   <p:cSld>
     <p:spTree>
@@ -14028,7 +14437,7 @@
 </p:sld>
 </file>
 
-<file path=ppt/slides/slide12.xml><?xml version="1.0" encoding="utf-8"?>
+<file path=ppt/slides/slide13.xml><?xml version="1.0" encoding="utf-8"?>
 <p:sld xmlns:a="http://schemas.openxmlformats.org/drawingml/2006/main" xmlns:r="http://schemas.openxmlformats.org/officeDocument/2006/relationships" xmlns:p="http://schemas.openxmlformats.org/presentationml/2006/main">
   <p:cSld>
     <p:spTree>
@@ -14413,7 +14822,7 @@
 </p:sld>
 </file>
 
-<file path=ppt/slides/slide13.xml><?xml version="1.0" encoding="utf-8"?>
+<file path=ppt/slides/slide14.xml><?xml version="1.0" encoding="utf-8"?>
 <p:sld xmlns:a="http://schemas.openxmlformats.org/drawingml/2006/main" xmlns:r="http://schemas.openxmlformats.org/officeDocument/2006/relationships" xmlns:p="http://schemas.openxmlformats.org/presentationml/2006/main">
   <p:cSld>
     <p:spTree>
@@ -14512,7 +14921,7 @@
             <a:fld id="{D8DA9DAA-006C-4F4B-980E-E3DF019B24E2}" type="slidenum">
               <a:rPr lang="en-GB" smtClean="0"/>
               <a:pPr rtl="0"/>
-              <a:t>13</a:t>
+              <a:t>14</a:t>
             </a:fld>
             <a:endParaRPr lang="en-GB"/>
           </a:p>
@@ -14686,7 +15095,7 @@
 </p:sld>
 </file>
 
-<file path=ppt/slides/slide14.xml><?xml version="1.0" encoding="utf-8"?>
+<file path=ppt/slides/slide15.xml><?xml version="1.0" encoding="utf-8"?>
 <p:sld xmlns:a="http://schemas.openxmlformats.org/drawingml/2006/main" xmlns:r="http://schemas.openxmlformats.org/officeDocument/2006/relationships" xmlns:p="http://schemas.openxmlformats.org/presentationml/2006/main">
   <p:cSld>
     <p:spTree>
@@ -14784,7 +15193,7 @@
             <a:fld id="{D8DA9DAA-006C-4F4B-980E-E3DF019B24E2}" type="slidenum">
               <a:rPr lang="en-GB" smtClean="0"/>
               <a:pPr rtl="0"/>
-              <a:t>14</a:t>
+              <a:t>15</a:t>
             </a:fld>
             <a:endParaRPr lang="en-GB"/>
           </a:p>
@@ -14863,7 +15272,7 @@
 </p:sld>
 </file>
 
-<file path=ppt/slides/slide15.xml><?xml version="1.0" encoding="utf-8"?>
+<file path=ppt/slides/slide16.xml><?xml version="1.0" encoding="utf-8"?>
 <p:sld xmlns:a="http://schemas.openxmlformats.org/drawingml/2006/main" xmlns:r="http://schemas.openxmlformats.org/officeDocument/2006/relationships" xmlns:p="http://schemas.openxmlformats.org/presentationml/2006/main">
   <p:cSld>
     <p:spTree>
@@ -17244,6 +17653,237 @@
   <p:cSld>
     <p:spTree>
       <p:nvGrpSpPr>
+        <p:cNvPr id="1" name="">
+          <a:extLst>
+            <a:ext uri="{FF2B5EF4-FFF2-40B4-BE49-F238E27FC236}">
+              <a16:creationId xmlns:a16="http://schemas.microsoft.com/office/drawing/2014/main" id="{F8EC1DFF-A5F9-ED0E-30C7-637D6070982A}"/>
+            </a:ext>
+          </a:extLst>
+        </p:cNvPr>
+        <p:cNvGrpSpPr/>
+        <p:nvPr/>
+      </p:nvGrpSpPr>
+      <p:grpSpPr>
+        <a:xfrm>
+          <a:off x="0" y="0"/>
+          <a:ext cx="0" cy="0"/>
+          <a:chOff x="0" y="0"/>
+          <a:chExt cx="0" cy="0"/>
+        </a:xfrm>
+      </p:grpSpPr>
+      <p:sp>
+        <p:nvSpPr>
+          <p:cNvPr id="4" name="Title 3">
+            <a:extLst>
+              <a:ext uri="{FF2B5EF4-FFF2-40B4-BE49-F238E27FC236}">
+                <a16:creationId xmlns:a16="http://schemas.microsoft.com/office/drawing/2014/main" id="{B6DB47CD-EF4C-A47A-BD13-18C83C455EC9}"/>
+              </a:ext>
+            </a:extLst>
+          </p:cNvPr>
+          <p:cNvSpPr>
+            <a:spLocks noGrp="1"/>
+          </p:cNvSpPr>
+          <p:nvPr>
+            <p:ph type="title"/>
+          </p:nvPr>
+        </p:nvSpPr>
+        <p:spPr/>
+        <p:txBody>
+          <a:bodyPr rtlCol="0">
+            <a:normAutofit/>
+          </a:bodyPr>
+          <a:lstStyle/>
+          <a:p>
+            <a:pPr rtl="0"/>
+            <a:r>
+              <a:rPr lang="hu-HU" sz="5400" dirty="0"/>
+              <a:t>Alternatívák</a:t>
+            </a:r>
+            <a:endParaRPr lang="en-GB" sz="5400" dirty="0"/>
+          </a:p>
+        </p:txBody>
+      </p:sp>
+      <p:sp>
+        <p:nvSpPr>
+          <p:cNvPr id="9" name="Slide Number Placeholder 5">
+            <a:extLst>
+              <a:ext uri="{FF2B5EF4-FFF2-40B4-BE49-F238E27FC236}">
+                <a16:creationId xmlns:a16="http://schemas.microsoft.com/office/drawing/2014/main" id="{7DD36F40-EC3A-1405-D71E-973701724FDE}"/>
+              </a:ext>
+            </a:extLst>
+          </p:cNvPr>
+          <p:cNvSpPr>
+            <a:spLocks noGrp="1"/>
+          </p:cNvSpPr>
+          <p:nvPr>
+            <p:ph type="sldNum" sz="quarter" idx="12"/>
+          </p:nvPr>
+        </p:nvSpPr>
+        <p:spPr>
+          <a:xfrm>
+            <a:off x="8610600" y="6356350"/>
+            <a:ext cx="2743200" cy="365125"/>
+          </a:xfrm>
+        </p:spPr>
+        <p:txBody>
+          <a:bodyPr rtlCol="0"/>
+          <a:lstStyle/>
+          <a:p>
+            <a:pPr rtl="0"/>
+            <a:fld id="{D8DA9DAA-006C-4F4B-980E-E3DF019B24E2}" type="slidenum">
+              <a:rPr lang="en-GB" b="1" cap="all" spc="100" smtClean="0">
+                <a:solidFill>
+                  <a:schemeClr val="accent2"/>
+                </a:solidFill>
+              </a:rPr>
+              <a:t>6</a:t>
+            </a:fld>
+            <a:endParaRPr lang="en-GB" b="1" cap="all" spc="100" dirty="0">
+              <a:solidFill>
+                <a:schemeClr val="accent2"/>
+              </a:solidFill>
+            </a:endParaRPr>
+          </a:p>
+        </p:txBody>
+      </p:sp>
+      <p:pic>
+        <p:nvPicPr>
+          <p:cNvPr id="3" name="Picture 2">
+            <a:extLst>
+              <a:ext uri="{FF2B5EF4-FFF2-40B4-BE49-F238E27FC236}">
+                <a16:creationId xmlns:a16="http://schemas.microsoft.com/office/drawing/2014/main" id="{F4208A44-FFE7-0AD1-DF91-CB0B16092F4E}"/>
+              </a:ext>
+            </a:extLst>
+          </p:cNvPr>
+          <p:cNvPicPr>
+            <a:picLocks noChangeAspect="1"/>
+          </p:cNvPicPr>
+          <p:nvPr/>
+        </p:nvPicPr>
+        <p:blipFill>
+          <a:blip r:embed="rId3"/>
+          <a:stretch>
+            <a:fillRect/>
+          </a:stretch>
+        </p:blipFill>
+        <p:spPr>
+          <a:xfrm>
+            <a:off x="547148" y="1351280"/>
+            <a:ext cx="5246399" cy="3379437"/>
+          </a:xfrm>
+          <a:prstGeom prst="rect">
+            <a:avLst/>
+          </a:prstGeom>
+        </p:spPr>
+      </p:pic>
+      <p:pic>
+        <p:nvPicPr>
+          <p:cNvPr id="7" name="Picture 6">
+            <a:extLst>
+              <a:ext uri="{FF2B5EF4-FFF2-40B4-BE49-F238E27FC236}">
+                <a16:creationId xmlns:a16="http://schemas.microsoft.com/office/drawing/2014/main" id="{8647884B-DC38-23A3-0142-31D33FC6E655}"/>
+              </a:ext>
+            </a:extLst>
+          </p:cNvPr>
+          <p:cNvPicPr>
+            <a:picLocks noChangeAspect="1"/>
+          </p:cNvPicPr>
+          <p:nvPr/>
+        </p:nvPicPr>
+        <p:blipFill>
+          <a:blip r:embed="rId4"/>
+          <a:stretch>
+            <a:fillRect/>
+          </a:stretch>
+        </p:blipFill>
+        <p:spPr>
+          <a:xfrm>
+            <a:off x="3512655" y="3402941"/>
+            <a:ext cx="8483792" cy="1327776"/>
+          </a:xfrm>
+          <a:prstGeom prst="rect">
+            <a:avLst/>
+          </a:prstGeom>
+        </p:spPr>
+      </p:pic>
+      <p:pic>
+        <p:nvPicPr>
+          <p:cNvPr id="11" name="Picture 10">
+            <a:extLst>
+              <a:ext uri="{FF2B5EF4-FFF2-40B4-BE49-F238E27FC236}">
+                <a16:creationId xmlns:a16="http://schemas.microsoft.com/office/drawing/2014/main" id="{AC8941C5-47B8-792D-6C7C-C07550118B0D}"/>
+              </a:ext>
+            </a:extLst>
+          </p:cNvPr>
+          <p:cNvPicPr>
+            <a:picLocks noChangeAspect="1"/>
+          </p:cNvPicPr>
+          <p:nvPr/>
+        </p:nvPicPr>
+        <p:blipFill>
+          <a:blip r:embed="rId5"/>
+          <a:stretch>
+            <a:fillRect/>
+          </a:stretch>
+        </p:blipFill>
+        <p:spPr>
+          <a:xfrm>
+            <a:off x="1056008" y="5227133"/>
+            <a:ext cx="9864525" cy="1151238"/>
+          </a:xfrm>
+          <a:prstGeom prst="rect">
+            <a:avLst/>
+          </a:prstGeom>
+        </p:spPr>
+      </p:pic>
+      <p:pic>
+        <p:nvPicPr>
+          <p:cNvPr id="15" name="Picture 14">
+            <a:extLst>
+              <a:ext uri="{FF2B5EF4-FFF2-40B4-BE49-F238E27FC236}">
+                <a16:creationId xmlns:a16="http://schemas.microsoft.com/office/drawing/2014/main" id="{B8CAB378-96E5-C17B-2DAF-A11B784B911F}"/>
+              </a:ext>
+            </a:extLst>
+          </p:cNvPr>
+          <p:cNvPicPr>
+            <a:picLocks noChangeAspect="1"/>
+          </p:cNvPicPr>
+          <p:nvPr/>
+        </p:nvPicPr>
+        <p:blipFill>
+          <a:blip r:embed="rId6"/>
+          <a:stretch>
+            <a:fillRect/>
+          </a:stretch>
+        </p:blipFill>
+        <p:spPr>
+          <a:xfrm>
+            <a:off x="6096000" y="136525"/>
+            <a:ext cx="5391251" cy="3124638"/>
+          </a:xfrm>
+          <a:prstGeom prst="rect">
+            <a:avLst/>
+          </a:prstGeom>
+        </p:spPr>
+      </p:pic>
+    </p:spTree>
+    <p:extLst>
+      <p:ext uri="{BB962C8B-B14F-4D97-AF65-F5344CB8AC3E}">
+        <p14:creationId xmlns:p14="http://schemas.microsoft.com/office/powerpoint/2010/main" val="4160919910"/>
+      </p:ext>
+    </p:extLst>
+  </p:cSld>
+  <p:clrMapOvr>
+    <a:masterClrMapping/>
+  </p:clrMapOvr>
+</p:sld>
+</file>
+
+<file path=ppt/slides/slide7.xml><?xml version="1.0" encoding="utf-8"?>
+<p:sld xmlns:a="http://schemas.openxmlformats.org/drawingml/2006/main" xmlns:r="http://schemas.openxmlformats.org/officeDocument/2006/relationships" xmlns:p="http://schemas.openxmlformats.org/presentationml/2006/main">
+  <p:cSld>
+    <p:spTree>
+      <p:nvGrpSpPr>
         <p:cNvPr id="1" name=""/>
         <p:cNvGrpSpPr/>
         <p:nvPr/>
@@ -17354,7 +17994,7 @@
                   <a:schemeClr val="accent2"/>
                 </a:solidFill>
               </a:rPr>
-              <a:t>6</a:t>
+              <a:t>7</a:t>
             </a:fld>
             <a:endParaRPr lang="en-GB" b="1" cap="all" spc="100">
               <a:solidFill>
@@ -18094,7 +18734,7 @@
 </p:sld>
 </file>
 
-<file path=ppt/slides/slide7.xml><?xml version="1.0" encoding="utf-8"?>
+<file path=ppt/slides/slide8.xml><?xml version="1.0" encoding="utf-8"?>
 <p:sld xmlns:a="http://schemas.openxmlformats.org/drawingml/2006/main" xmlns:r="http://schemas.openxmlformats.org/officeDocument/2006/relationships" xmlns:p="http://schemas.openxmlformats.org/presentationml/2006/main">
   <p:cSld>
     <p:spTree>
@@ -18199,7 +18839,7 @@
                   <a:schemeClr val="accent2"/>
                 </a:solidFill>
               </a:rPr>
-              <a:t>7</a:t>
+              <a:t>8</a:t>
             </a:fld>
             <a:endParaRPr lang="en-GB" b="1" cap="all" spc="100">
               <a:solidFill>
@@ -18401,7 +19041,7 @@
 </p:sld>
 </file>
 
-<file path=ppt/slides/slide8.xml><?xml version="1.0" encoding="utf-8"?>
+<file path=ppt/slides/slide9.xml><?xml version="1.0" encoding="utf-8"?>
 <p:sld xmlns:a="http://schemas.openxmlformats.org/drawingml/2006/main" xmlns:r="http://schemas.openxmlformats.org/officeDocument/2006/relationships" xmlns:p="http://schemas.openxmlformats.org/presentationml/2006/main">
   <p:cSld>
     <p:spTree>
@@ -18466,7 +19106,7 @@
             <a:fld id="{D8DA9DAA-006C-4F4B-980E-E3DF019B24E2}" type="slidenum">
               <a:rPr lang="en-GB" smtClean="0"/>
               <a:pPr rtl="0"/>
-              <a:t>8</a:t>
+              <a:t>9</a:t>
             </a:fld>
             <a:endParaRPr lang="en-GB"/>
           </a:p>
@@ -18721,305 +19361,6 @@
     <p:extLst>
       <p:ext uri="{BB962C8B-B14F-4D97-AF65-F5344CB8AC3E}">
         <p14:creationId xmlns:p14="http://schemas.microsoft.com/office/powerpoint/2010/main" val="3561473475"/>
-      </p:ext>
-    </p:extLst>
-  </p:cSld>
-  <p:clrMapOvr>
-    <a:masterClrMapping/>
-  </p:clrMapOvr>
-</p:sld>
-</file>
-
-<file path=ppt/slides/slide9.xml><?xml version="1.0" encoding="utf-8"?>
-<p:sld xmlns:a="http://schemas.openxmlformats.org/drawingml/2006/main" xmlns:r="http://schemas.openxmlformats.org/officeDocument/2006/relationships" xmlns:p="http://schemas.openxmlformats.org/presentationml/2006/main">
-  <p:cSld>
-    <p:spTree>
-      <p:nvGrpSpPr>
-        <p:cNvPr id="1" name=""/>
-        <p:cNvGrpSpPr/>
-        <p:nvPr/>
-      </p:nvGrpSpPr>
-      <p:grpSpPr>
-        <a:xfrm>
-          <a:off x="0" y="0"/>
-          <a:ext cx="0" cy="0"/>
-          <a:chOff x="0" y="0"/>
-          <a:chExt cx="0" cy="0"/>
-        </a:xfrm>
-      </p:grpSpPr>
-      <p:sp>
-        <p:nvSpPr>
-          <p:cNvPr id="2" name="Title 1">
-            <a:extLst>
-              <a:ext uri="{FF2B5EF4-FFF2-40B4-BE49-F238E27FC236}">
-                <a16:creationId xmlns:a16="http://schemas.microsoft.com/office/drawing/2014/main" id="{80F287FE-1EFA-4C15-BFDD-1EE3F2D37BF1}"/>
-              </a:ext>
-            </a:extLst>
-          </p:cNvPr>
-          <p:cNvSpPr>
-            <a:spLocks noGrp="1"/>
-          </p:cNvSpPr>
-          <p:nvPr>
-            <p:ph type="title"/>
-          </p:nvPr>
-        </p:nvSpPr>
-        <p:spPr>
-          <a:xfrm>
-            <a:off x="576072" y="365126"/>
-            <a:ext cx="10771632" cy="1271170"/>
-          </a:xfrm>
-        </p:spPr>
-        <p:txBody>
-          <a:bodyPr rtlCol="0">
-            <a:normAutofit/>
-          </a:bodyPr>
-          <a:lstStyle/>
-          <a:p>
-            <a:pPr rtl="0"/>
-            <a:r>
-              <a:rPr lang="hu-HU" sz="4400" b="0" cap="none" dirty="0"/>
-              <a:t>4. </a:t>
-            </a:r>
-            <a:r>
-              <a:rPr lang="hu-HU" sz="4400" b="0" u="sng" cap="none" dirty="0"/>
-              <a:t>lépés</a:t>
-            </a:r>
-            <a:r>
-              <a:rPr lang="hu-HU" sz="4400" b="0" cap="none" dirty="0"/>
-              <a:t>: </a:t>
-            </a:r>
-            <a:r>
-              <a:rPr lang="hu-HU" sz="4400" b="0" i="1" cap="none" dirty="0"/>
-              <a:t>Az adatbázis migrálása</a:t>
-            </a:r>
-            <a:endParaRPr lang="en-GB" sz="4400" b="0" i="1" cap="none" dirty="0"/>
-          </a:p>
-        </p:txBody>
-      </p:sp>
-      <p:sp>
-        <p:nvSpPr>
-          <p:cNvPr id="4" name="Date Placeholder 3">
-            <a:extLst>
-              <a:ext uri="{FF2B5EF4-FFF2-40B4-BE49-F238E27FC236}">
-                <a16:creationId xmlns:a16="http://schemas.microsoft.com/office/drawing/2014/main" id="{2F8D5D16-EDC5-46DE-A0B9-0765F4F59BB7}"/>
-              </a:ext>
-            </a:extLst>
-          </p:cNvPr>
-          <p:cNvSpPr>
-            <a:spLocks noGrp="1"/>
-          </p:cNvSpPr>
-          <p:nvPr>
-            <p:ph type="dt" sz="half" idx="10"/>
-          </p:nvPr>
-        </p:nvSpPr>
-        <p:spPr/>
-        <p:txBody>
-          <a:bodyPr rtlCol="0"/>
-          <a:lstStyle/>
-          <a:p>
-            <a:pPr rtl="0"/>
-            <a:r>
-              <a:rPr lang="en-GB" dirty="0"/>
-              <a:t>9/3/20XX</a:t>
-            </a:r>
-          </a:p>
-        </p:txBody>
-      </p:sp>
-      <p:sp>
-        <p:nvSpPr>
-          <p:cNvPr id="6" name="Slide Number Placeholder 5">
-            <a:extLst>
-              <a:ext uri="{FF2B5EF4-FFF2-40B4-BE49-F238E27FC236}">
-                <a16:creationId xmlns:a16="http://schemas.microsoft.com/office/drawing/2014/main" id="{8DE31DF2-0419-4016-924C-21929AC1EBFC}"/>
-              </a:ext>
-            </a:extLst>
-          </p:cNvPr>
-          <p:cNvSpPr>
-            <a:spLocks noGrp="1"/>
-          </p:cNvSpPr>
-          <p:nvPr>
-            <p:ph type="sldNum" sz="quarter" idx="12"/>
-          </p:nvPr>
-        </p:nvSpPr>
-        <p:spPr/>
-        <p:txBody>
-          <a:bodyPr rtlCol="0"/>
-          <a:lstStyle/>
-          <a:p>
-            <a:pPr rtl="0"/>
-            <a:fld id="{D8DA9DAA-006C-4F4B-980E-E3DF019B24E2}" type="slidenum">
-              <a:rPr lang="en-GB" smtClean="0"/>
-              <a:pPr rtl="0"/>
-              <a:t>9</a:t>
-            </a:fld>
-            <a:endParaRPr lang="en-GB" dirty="0"/>
-          </a:p>
-        </p:txBody>
-      </p:sp>
-      <p:sp>
-        <p:nvSpPr>
-          <p:cNvPr id="11" name="TextBox 10">
-            <a:extLst>
-              <a:ext uri="{FF2B5EF4-FFF2-40B4-BE49-F238E27FC236}">
-                <a16:creationId xmlns:a16="http://schemas.microsoft.com/office/drawing/2014/main" id="{430AE936-D080-039A-6D6C-4266D0CB780A}"/>
-              </a:ext>
-            </a:extLst>
-          </p:cNvPr>
-          <p:cNvSpPr txBox="1"/>
-          <p:nvPr/>
-        </p:nvSpPr>
-        <p:spPr>
-          <a:xfrm>
-            <a:off x="576072" y="1543176"/>
-            <a:ext cx="10771632" cy="830997"/>
-          </a:xfrm>
-          <a:prstGeom prst="rect">
-            <a:avLst/>
-          </a:prstGeom>
-          <a:noFill/>
-        </p:spPr>
-        <p:txBody>
-          <a:bodyPr wrap="square" rtlCol="0">
-            <a:spAutoFit/>
-          </a:bodyPr>
-          <a:lstStyle/>
-          <a:p>
-            <a:r>
-              <a:rPr lang="ro-RO" sz="2400" dirty="0">
-                <a:solidFill>
-                  <a:schemeClr val="bg2"/>
-                </a:solidFill>
-              </a:rPr>
-              <a:t>A migration-ek megtal</a:t>
-            </a:r>
-            <a:r>
-              <a:rPr lang="hu-HU" sz="2400" dirty="0">
-                <a:solidFill>
-                  <a:schemeClr val="bg2"/>
-                </a:solidFill>
-              </a:rPr>
-              <a:t>álhatóak itt:</a:t>
-            </a:r>
-            <a:r>
-              <a:rPr lang="hu-HU" sz="2400" dirty="0"/>
-              <a:t> </a:t>
-            </a:r>
-            <a:r>
-              <a:rPr lang="hu-HU" sz="2400" dirty="0">
-                <a:solidFill>
-                  <a:srgbClr val="FF0000"/>
-                </a:solidFill>
-              </a:rPr>
-              <a:t>Herd</a:t>
-            </a:r>
-            <a:r>
-              <a:rPr lang="en-US" sz="2400" dirty="0">
-                <a:solidFill>
-                  <a:srgbClr val="FF0000"/>
-                </a:solidFill>
-              </a:rPr>
-              <a:t>\&lt;&lt;</a:t>
-            </a:r>
-            <a:r>
-              <a:rPr lang="en-US" sz="2400" dirty="0" err="1">
-                <a:solidFill>
-                  <a:srgbClr val="FF0000"/>
-                </a:solidFill>
-              </a:rPr>
-              <a:t>ProjektMappa</a:t>
-            </a:r>
-            <a:r>
-              <a:rPr lang="en-US" sz="2400" dirty="0">
-                <a:solidFill>
-                  <a:srgbClr val="FF0000"/>
-                </a:solidFill>
-              </a:rPr>
-              <a:t>&gt;&gt;\database\migrations\</a:t>
-            </a:r>
-            <a:endParaRPr lang="en-GB" sz="2400" dirty="0">
-              <a:solidFill>
-                <a:srgbClr val="FF0000"/>
-              </a:solidFill>
-            </a:endParaRPr>
-          </a:p>
-        </p:txBody>
-      </p:sp>
-      <p:pic>
-        <p:nvPicPr>
-          <p:cNvPr id="13" name="Picture 12" descr="A screen shot of a computer program&#10;&#10;Description automatically generated">
-            <a:extLst>
-              <a:ext uri="{FF2B5EF4-FFF2-40B4-BE49-F238E27FC236}">
-                <a16:creationId xmlns:a16="http://schemas.microsoft.com/office/drawing/2014/main" id="{13C1620E-EECB-965C-116B-D0A0CC71DE5E}"/>
-              </a:ext>
-            </a:extLst>
-          </p:cNvPr>
-          <p:cNvPicPr>
-            <a:picLocks noChangeAspect="1"/>
-          </p:cNvPicPr>
-          <p:nvPr/>
-        </p:nvPicPr>
-        <p:blipFill>
-          <a:blip r:embed="rId3"/>
-          <a:stretch>
-            <a:fillRect/>
-          </a:stretch>
-        </p:blipFill>
-        <p:spPr>
-          <a:xfrm>
-            <a:off x="388820" y="2750426"/>
-            <a:ext cx="8401614" cy="3971049"/>
-          </a:xfrm>
-          <a:prstGeom prst="rect">
-            <a:avLst/>
-          </a:prstGeom>
-        </p:spPr>
-      </p:pic>
-      <p:pic>
-        <p:nvPicPr>
-          <p:cNvPr id="10" name="Picture 9" descr="A black screen with white text&#10;&#10;Description automatically generated">
-            <a:extLst>
-              <a:ext uri="{FF2B5EF4-FFF2-40B4-BE49-F238E27FC236}">
-                <a16:creationId xmlns:a16="http://schemas.microsoft.com/office/drawing/2014/main" id="{36DCABA1-6121-420F-3FBC-1DEF0A61D3BE}"/>
-              </a:ext>
-            </a:extLst>
-          </p:cNvPr>
-          <p:cNvPicPr>
-            <a:picLocks noChangeAspect="1"/>
-          </p:cNvPicPr>
-          <p:nvPr/>
-        </p:nvPicPr>
-        <p:blipFill>
-          <a:blip r:embed="rId4">
-            <a:extLst>
-              <a:ext uri="{BEBA8EAE-BF5A-486C-A8C5-ECC9F3942E4B}">
-                <a14:imgProps xmlns:a14="http://schemas.microsoft.com/office/drawing/2010/main">
-                  <a14:imgLayer r:embed="rId5">
-                    <a14:imgEffect>
-                      <a14:brightnessContrast bright="40000"/>
-                    </a14:imgEffect>
-                  </a14:imgLayer>
-                </a14:imgProps>
-              </a:ext>
-            </a:extLst>
-          </a:blip>
-          <a:stretch>
-            <a:fillRect/>
-          </a:stretch>
-        </p:blipFill>
-        <p:spPr>
-          <a:xfrm>
-            <a:off x="5121442" y="2402095"/>
-            <a:ext cx="6978315" cy="1829117"/>
-          </a:xfrm>
-          <a:prstGeom prst="rect">
-            <a:avLst/>
-          </a:prstGeom>
-        </p:spPr>
-      </p:pic>
-    </p:spTree>
-    <p:extLst>
-      <p:ext uri="{BB962C8B-B14F-4D97-AF65-F5344CB8AC3E}">
-        <p14:creationId xmlns:p14="http://schemas.microsoft.com/office/powerpoint/2010/main" val="2270028676"/>
       </p:ext>
     </p:extLst>
   </p:cSld>
@@ -19821,6 +20162,24 @@
 </file>
 
 <file path=customXml/item1.xml><?xml version="1.0" encoding="utf-8"?>
+<p:properties xmlns:p="http://schemas.microsoft.com/office/2006/metadata/properties" xmlns:xsi="http://www.w3.org/2001/XMLSchema-instance" xmlns:pc="http://schemas.microsoft.com/office/infopath/2007/PartnerControls">
+  <documentManagement>
+    <Status xmlns="71af3243-3dd4-4a8d-8c0d-dd76da1f02a5">Not started</Status>
+    <MediaServiceKeyPoints xmlns="71af3243-3dd4-4a8d-8c0d-dd76da1f02a5" xsi:nil="true"/>
+  </documentManagement>
+</p:properties>
+</file>
+
+<file path=customXml/item2.xml><?xml version="1.0" encoding="utf-8"?>
+<?mso-contentType ?>
+<FormTemplates xmlns="http://schemas.microsoft.com/sharepoint/v3/contenttype/forms">
+  <Display>DocumentLibraryForm</Display>
+  <Edit>DocumentLibraryForm</Edit>
+  <New>DocumentLibraryForm</New>
+</FormTemplates>
+</file>
+
+<file path=customXml/item3.xml><?xml version="1.0" encoding="utf-8"?>
 <ct:contentTypeSchema xmlns:ct="http://schemas.microsoft.com/office/2006/metadata/contentType" xmlns:ma="http://schemas.microsoft.com/office/2006/metadata/properties/metaAttributes" ct:_="" ma:_="" ma:contentTypeName="Document" ma:contentTypeID="0x01010079F111ED35F8CC479449609E8A0923A6" ma:contentTypeVersion="12" ma:contentTypeDescription="Create a new document." ma:contentTypeScope="" ma:versionID="426e97fa315356fffbdcd9876fe988c2">
   <xsd:schema xmlns:xsd="http://www.w3.org/2001/XMLSchema" xmlns:xs="http://www.w3.org/2001/XMLSchema" xmlns:p="http://schemas.microsoft.com/office/2006/metadata/properties" xmlns:ns2="71af3243-3dd4-4a8d-8c0d-dd76da1f02a5" xmlns:ns3="16c05727-aa75-4e4a-9b5f-8a80a1165891" targetNamespace="http://schemas.microsoft.com/office/2006/metadata/properties" ma:root="true" ma:fieldsID="14b8f0def80e6d70ce3def20c90759ae" ns2:_="" ns3:_="">
     <xsd:import namespace="71af3243-3dd4-4a8d-8c0d-dd76da1f02a5"/>
@@ -20041,25 +20400,32 @@
 </ct:contentTypeSchema>
 </file>
 
-<file path=customXml/item2.xml><?xml version="1.0" encoding="utf-8"?>
-<?mso-contentType ?>
-<FormTemplates xmlns="http://schemas.microsoft.com/sharepoint/v3/contenttype/forms">
-  <Display>DocumentLibraryForm</Display>
-  <Edit>DocumentLibraryForm</Edit>
-  <New>DocumentLibraryForm</New>
-</FormTemplates>
+<file path=customXml/itemProps1.xml><?xml version="1.0" encoding="utf-8"?>
+<ds:datastoreItem xmlns:ds="http://schemas.openxmlformats.org/officeDocument/2006/customXml" ds:itemID="{99919F73-B6C2-4A43-95E2-833EC48925FE}">
+  <ds:schemaRefs>
+    <ds:schemaRef ds:uri="http://schemas.microsoft.com/office/infopath/2007/PartnerControls"/>
+    <ds:schemaRef ds:uri="http://purl.org/dc/dcmitype/"/>
+    <ds:schemaRef ds:uri="http://schemas.microsoft.com/office/2006/metadata/properties"/>
+    <ds:schemaRef ds:uri="http://schemas.microsoft.com/office/2006/documentManagement/types"/>
+    <ds:schemaRef ds:uri="71af3243-3dd4-4a8d-8c0d-dd76da1f02a5"/>
+    <ds:schemaRef ds:uri="http://purl.org/dc/terms/"/>
+    <ds:schemaRef ds:uri="http://schemas.openxmlformats.org/package/2006/metadata/core-properties"/>
+    <ds:schemaRef ds:uri="16c05727-aa75-4e4a-9b5f-8a80a1165891"/>
+    <ds:schemaRef ds:uri="http://www.w3.org/XML/1998/namespace"/>
+    <ds:schemaRef ds:uri="http://purl.org/dc/elements/1.1/"/>
+  </ds:schemaRefs>
+</ds:datastoreItem>
 </file>
 
-<file path=customXml/item3.xml><?xml version="1.0" encoding="utf-8"?>
-<p:properties xmlns:p="http://schemas.microsoft.com/office/2006/metadata/properties" xmlns:xsi="http://www.w3.org/2001/XMLSchema-instance" xmlns:pc="http://schemas.microsoft.com/office/infopath/2007/PartnerControls">
-  <documentManagement>
-    <Status xmlns="71af3243-3dd4-4a8d-8c0d-dd76da1f02a5">Not started</Status>
-    <MediaServiceKeyPoints xmlns="71af3243-3dd4-4a8d-8c0d-dd76da1f02a5" xsi:nil="true"/>
-  </documentManagement>
-</p:properties>
+<file path=customXml/itemProps2.xml><?xml version="1.0" encoding="utf-8"?>
+<ds:datastoreItem xmlns:ds="http://schemas.openxmlformats.org/officeDocument/2006/customXml" ds:itemID="{3C8E00D1-8EA3-4E42-801D-0253E1EAFC21}">
+  <ds:schemaRefs>
+    <ds:schemaRef ds:uri="http://schemas.microsoft.com/sharepoint/v3/contenttype/forms"/>
+  </ds:schemaRefs>
+</ds:datastoreItem>
 </file>
 
-<file path=customXml/itemProps1.xml><?xml version="1.0" encoding="utf-8"?>
+<file path=customXml/itemProps3.xml><?xml version="1.0" encoding="utf-8"?>
 <ds:datastoreItem xmlns:ds="http://schemas.openxmlformats.org/officeDocument/2006/customXml" ds:itemID="{ABC329F5-30EE-4BF7-AA2A-B837B51416B4}">
   <ds:schemaRefs>
     <ds:schemaRef ds:uri="http://schemas.microsoft.com/office/2006/metadata/contentType"/>
@@ -20076,29 +20442,4 @@
     <ds:schemaRef ds:uri="http://schemas.microsoft.com/internal/obd"/>
   </ds:schemaRefs>
 </ds:datastoreItem>
-</file>
-
-<file path=customXml/itemProps2.xml><?xml version="1.0" encoding="utf-8"?>
-<ds:datastoreItem xmlns:ds="http://schemas.openxmlformats.org/officeDocument/2006/customXml" ds:itemID="{3C8E00D1-8EA3-4E42-801D-0253E1EAFC21}">
-  <ds:schemaRefs>
-    <ds:schemaRef ds:uri="http://schemas.microsoft.com/sharepoint/v3/contenttype/forms"/>
-  </ds:schemaRefs>
-</ds:datastoreItem>
-</file>
-
-<file path=customXml/itemProps3.xml><?xml version="1.0" encoding="utf-8"?>
-<ds:datastoreItem xmlns:ds="http://schemas.openxmlformats.org/officeDocument/2006/customXml" ds:itemID="{99919F73-B6C2-4A43-95E2-833EC48925FE}">
-  <ds:schemaRefs>
-    <ds:schemaRef ds:uri="http://schemas.microsoft.com/office/infopath/2007/PartnerControls"/>
-    <ds:schemaRef ds:uri="http://purl.org/dc/dcmitype/"/>
-    <ds:schemaRef ds:uri="http://schemas.microsoft.com/office/2006/metadata/properties"/>
-    <ds:schemaRef ds:uri="http://schemas.microsoft.com/office/2006/documentManagement/types"/>
-    <ds:schemaRef ds:uri="71af3243-3dd4-4a8d-8c0d-dd76da1f02a5"/>
-    <ds:schemaRef ds:uri="http://purl.org/dc/terms/"/>
-    <ds:schemaRef ds:uri="http://schemas.openxmlformats.org/package/2006/metadata/core-properties"/>
-    <ds:schemaRef ds:uri="16c05727-aa75-4e4a-9b5f-8a80a1165891"/>
-    <ds:schemaRef ds:uri="http://www.w3.org/XML/1998/namespace"/>
-    <ds:schemaRef ds:uri="http://purl.org/dc/elements/1.1/"/>
-  </ds:schemaRefs>
-</ds:datastoreItem>
 </file>